--- a/화면 설계서/9.업체 조회 페이지.pptx
+++ b/화면 설계서/9.업체 조회 페이지.pptx
@@ -3387,7 +3387,7 @@
         </p:nvSpPr>
         <p:spPr>
           <a:xfrm>
-            <a:off x="495247" y="273557"/>
+            <a:off x="495247" y="233362"/>
             <a:ext cx="3537360" cy="369332"/>
           </a:xfrm>
           <a:prstGeom prst="rect">
@@ -3423,14 +3423,14 @@
           <p:nvPr>
             <p:extLst>
               <p:ext uri="{D42A27DB-BD31-4B8C-83A1-F6EECF244321}">
-                <p14:modId xmlns:p14="http://schemas.microsoft.com/office/powerpoint/2010/main" val="1503352003"/>
+                <p14:modId xmlns:p14="http://schemas.microsoft.com/office/powerpoint/2010/main" val="701378577"/>
               </p:ext>
             </p:extLst>
           </p:nvPr>
         </p:nvGraphicFramePr>
         <p:xfrm>
           <a:off x="174661" y="1734815"/>
-          <a:ext cx="11825554" cy="4074160"/>
+          <a:ext cx="11825554" cy="4262207"/>
         </p:xfrm>
         <a:graphic>
           <a:graphicData uri="http://schemas.openxmlformats.org/drawingml/2006/table">
@@ -3439,49 +3439,49 @@
                 <a:tableStyleId>{5C22544A-7EE6-4342-B048-85BDC9FD1C3A}</a:tableStyleId>
               </a:tblPr>
               <a:tblGrid>
-                <a:gridCol w="1604934">
+                <a:gridCol w="680745">
                   <a:extLst>
                     <a:ext uri="{9D8B030D-6E8A-4147-A177-3AD203B41FA5}">
                       <a16:colId xmlns:a16="http://schemas.microsoft.com/office/drawing/2014/main" val="1632320275"/>
                     </a:ext>
                   </a:extLst>
                 </a:gridCol>
-                <a:gridCol w="1574572">
+                <a:gridCol w="1433544">
                   <a:extLst>
                     <a:ext uri="{9D8B030D-6E8A-4147-A177-3AD203B41FA5}">
                       <a16:colId xmlns:a16="http://schemas.microsoft.com/office/drawing/2014/main" val="3017782760"/>
                     </a:ext>
                   </a:extLst>
                 </a:gridCol>
-                <a:gridCol w="1873905">
+                <a:gridCol w="1191669">
                   <a:extLst>
                     <a:ext uri="{9D8B030D-6E8A-4147-A177-3AD203B41FA5}">
                       <a16:colId xmlns:a16="http://schemas.microsoft.com/office/drawing/2014/main" val="79414819"/>
                     </a:ext>
                   </a:extLst>
                 </a:gridCol>
-                <a:gridCol w="1800097">
+                <a:gridCol w="1492537">
                   <a:extLst>
                     <a:ext uri="{9D8B030D-6E8A-4147-A177-3AD203B41FA5}">
                       <a16:colId xmlns:a16="http://schemas.microsoft.com/office/drawing/2014/main" val="1597943635"/>
                     </a:ext>
                   </a:extLst>
                 </a:gridCol>
-                <a:gridCol w="2042023">
+                <a:gridCol w="3327236">
                   <a:extLst>
                     <a:ext uri="{9D8B030D-6E8A-4147-A177-3AD203B41FA5}">
                       <a16:colId xmlns:a16="http://schemas.microsoft.com/office/drawing/2014/main" val="1178059661"/>
                     </a:ext>
                   </a:extLst>
                 </a:gridCol>
-                <a:gridCol w="1780470">
+                <a:gridCol w="1887794">
                   <a:extLst>
                     <a:ext uri="{9D8B030D-6E8A-4147-A177-3AD203B41FA5}">
                       <a16:colId xmlns:a16="http://schemas.microsoft.com/office/drawing/2014/main" val="2485335048"/>
                     </a:ext>
                   </a:extLst>
                 </a:gridCol>
-                <a:gridCol w="1149553">
+                <a:gridCol w="1812029">
                   <a:extLst>
                     <a:ext uri="{9D8B030D-6E8A-4147-A177-3AD203B41FA5}">
                       <a16:colId xmlns:a16="http://schemas.microsoft.com/office/drawing/2014/main" val="2847004007"/>
@@ -3580,7 +3580,10 @@
                     <a:lstStyle/>
                     <a:p>
                       <a:pPr latinLnBrk="1"/>
-                      <a:endParaRPr lang="ko-KR" altLang="en-US"/>
+                      <a:r>
+                        <a:rPr lang="ko-KR" altLang="en-US"/>
+                        <a:t>거래 상태</a:t>
+                      </a:r>
                     </a:p>
                   </a:txBody>
                   <a:tcPr/>
@@ -3598,73 +3601,109 @@
                     <a:lstStyle/>
                     <a:p>
                       <a:pPr latinLnBrk="1"/>
-                      <a:endParaRPr lang="ko-KR" altLang="en-US"/>
-                    </a:p>
-                  </a:txBody>
-                  <a:tcPr/>
-                </a:tc>
-                <a:tc>
-                  <a:txBody>
-                    <a:bodyPr/>
-                    <a:lstStyle/>
-                    <a:p>
-                      <a:pPr latinLnBrk="1"/>
-                      <a:endParaRPr lang="ko-KR" altLang="en-US"/>
-                    </a:p>
-                  </a:txBody>
-                  <a:tcPr/>
-                </a:tc>
-                <a:tc>
-                  <a:txBody>
-                    <a:bodyPr/>
-                    <a:lstStyle/>
-                    <a:p>
-                      <a:pPr latinLnBrk="1"/>
-                      <a:endParaRPr lang="ko-KR" altLang="en-US"/>
-                    </a:p>
-                  </a:txBody>
-                  <a:tcPr/>
-                </a:tc>
-                <a:tc>
-                  <a:txBody>
-                    <a:bodyPr/>
-                    <a:lstStyle/>
-                    <a:p>
-                      <a:pPr latinLnBrk="1"/>
-                      <a:endParaRPr lang="ko-KR" altLang="en-US"/>
-                    </a:p>
-                  </a:txBody>
-                  <a:tcPr/>
-                </a:tc>
-                <a:tc>
-                  <a:txBody>
-                    <a:bodyPr/>
-                    <a:lstStyle/>
-                    <a:p>
-                      <a:pPr latinLnBrk="1"/>
-                      <a:endParaRPr lang="ko-KR" altLang="en-US"/>
-                    </a:p>
-                  </a:txBody>
-                  <a:tcPr/>
-                </a:tc>
-                <a:tc>
-                  <a:txBody>
-                    <a:bodyPr/>
-                    <a:lstStyle/>
-                    <a:p>
-                      <a:pPr latinLnBrk="1"/>
-                      <a:endParaRPr lang="ko-KR" altLang="en-US"/>
-                    </a:p>
-                  </a:txBody>
-                  <a:tcPr/>
-                </a:tc>
-                <a:tc>
-                  <a:txBody>
-                    <a:bodyPr/>
-                    <a:lstStyle/>
-                    <a:p>
-                      <a:pPr latinLnBrk="1"/>
-                      <a:endParaRPr lang="ko-KR" altLang="en-US"/>
+                      <a:r>
+                        <a:rPr lang="en-US" altLang="ko-KR" sz="1000" b="0"/>
+                        <a:t>1</a:t>
+                      </a:r>
+                      <a:endParaRPr lang="ko-KR" altLang="en-US" sz="1000" b="0"/>
+                    </a:p>
+                  </a:txBody>
+                  <a:tcPr/>
+                </a:tc>
+                <a:tc>
+                  <a:txBody>
+                    <a:bodyPr/>
+                    <a:lstStyle/>
+                    <a:p>
+                      <a:pPr latinLnBrk="1"/>
+                      <a:r>
+                        <a:rPr lang="ko-KR" altLang="en-US" sz="1000"/>
+                        <a:t>거래처</a:t>
+                      </a:r>
+                    </a:p>
+                  </a:txBody>
+                  <a:tcPr/>
+                </a:tc>
+                <a:tc>
+                  <a:txBody>
+                    <a:bodyPr/>
+                    <a:lstStyle/>
+                    <a:p>
+                      <a:pPr latinLnBrk="1"/>
+                      <a:r>
+                        <a:rPr lang="ko-KR" altLang="en-US" sz="1000"/>
+                        <a:t>한승상사</a:t>
+                      </a:r>
+                      <a:endParaRPr lang="en-US" altLang="ko-KR" sz="1000"/>
+                    </a:p>
+                  </a:txBody>
+                  <a:tcPr/>
+                </a:tc>
+                <a:tc>
+                  <a:txBody>
+                    <a:bodyPr/>
+                    <a:lstStyle/>
+                    <a:p>
+                      <a:pPr latinLnBrk="1"/>
+                      <a:r>
+                        <a:rPr lang="ko-KR" altLang="en-US" sz="1000"/>
+                        <a:t>김태준</a:t>
+                      </a:r>
+                    </a:p>
+                  </a:txBody>
+                  <a:tcPr/>
+                </a:tc>
+                <a:tc>
+                  <a:txBody>
+                    <a:bodyPr/>
+                    <a:lstStyle/>
+                    <a:p>
+                      <a:pPr latinLnBrk="1"/>
+                      <a:r>
+                        <a:rPr lang="ko-KR" altLang="en-US" sz="1000"/>
+                        <a:t>경기도 안산시 단원구 산업로 </a:t>
+                      </a:r>
+                      <a:r>
+                        <a:rPr lang="en-US" altLang="ko-KR" sz="1000"/>
+                        <a:t>124</a:t>
+                      </a:r>
+                      <a:endParaRPr lang="ko-KR" altLang="en-US" sz="1000"/>
+                    </a:p>
+                  </a:txBody>
+                  <a:tcPr/>
+                </a:tc>
+                <a:tc>
+                  <a:txBody>
+                    <a:bodyPr/>
+                    <a:lstStyle/>
+                    <a:p>
+                      <a:pPr latinLnBrk="1"/>
+                      <a:r>
+                        <a:rPr lang="ko-KR" altLang="en-US" sz="1000"/>
+                        <a:t>프라이머</a:t>
+                      </a:r>
+                      <a:r>
+                        <a:rPr lang="en-US" altLang="ko-KR" sz="1000"/>
+                        <a:t>, </a:t>
+                      </a:r>
+                      <a:r>
+                        <a:rPr lang="ko-KR" altLang="en-US" sz="1000"/>
+                        <a:t>상도 도료 납품</a:t>
+                      </a:r>
+                    </a:p>
+                  </a:txBody>
+                  <a:tcPr/>
+                </a:tc>
+                <a:tc>
+                  <a:txBody>
+                    <a:bodyPr/>
+                    <a:lstStyle/>
+                    <a:p>
+                      <a:pPr latinLnBrk="1"/>
+                      <a:r>
+                        <a:rPr lang="ko-KR" altLang="en-US" sz="1000"/>
+                        <a:t>거래중</a:t>
+                      </a:r>
                     </a:p>
                   </a:txBody>
                   <a:tcPr/>
@@ -3682,73 +3721,108 @@
                     <a:lstStyle/>
                     <a:p>
                       <a:pPr latinLnBrk="1"/>
-                      <a:endParaRPr lang="ko-KR" altLang="en-US"/>
-                    </a:p>
-                  </a:txBody>
-                  <a:tcPr/>
-                </a:tc>
-                <a:tc>
-                  <a:txBody>
-                    <a:bodyPr/>
-                    <a:lstStyle/>
-                    <a:p>
-                      <a:pPr latinLnBrk="1"/>
-                      <a:endParaRPr lang="ko-KR" altLang="en-US"/>
-                    </a:p>
-                  </a:txBody>
-                  <a:tcPr/>
-                </a:tc>
-                <a:tc>
-                  <a:txBody>
-                    <a:bodyPr/>
-                    <a:lstStyle/>
-                    <a:p>
-                      <a:pPr latinLnBrk="1"/>
-                      <a:endParaRPr lang="ko-KR" altLang="en-US"/>
-                    </a:p>
-                  </a:txBody>
-                  <a:tcPr/>
-                </a:tc>
-                <a:tc>
-                  <a:txBody>
-                    <a:bodyPr/>
-                    <a:lstStyle/>
-                    <a:p>
-                      <a:pPr latinLnBrk="1"/>
-                      <a:endParaRPr lang="ko-KR" altLang="en-US"/>
-                    </a:p>
-                  </a:txBody>
-                  <a:tcPr/>
-                </a:tc>
-                <a:tc>
-                  <a:txBody>
-                    <a:bodyPr/>
-                    <a:lstStyle/>
-                    <a:p>
-                      <a:pPr latinLnBrk="1"/>
-                      <a:endParaRPr lang="ko-KR" altLang="en-US"/>
-                    </a:p>
-                  </a:txBody>
-                  <a:tcPr/>
-                </a:tc>
-                <a:tc>
-                  <a:txBody>
-                    <a:bodyPr/>
-                    <a:lstStyle/>
-                    <a:p>
-                      <a:pPr latinLnBrk="1"/>
-                      <a:endParaRPr lang="ko-KR" altLang="en-US"/>
-                    </a:p>
-                  </a:txBody>
-                  <a:tcPr/>
-                </a:tc>
-                <a:tc>
-                  <a:txBody>
-                    <a:bodyPr/>
-                    <a:lstStyle/>
-                    <a:p>
-                      <a:pPr latinLnBrk="1"/>
-                      <a:endParaRPr lang="ko-KR" altLang="en-US"/>
+                      <a:r>
+                        <a:rPr lang="en-US" altLang="ko-KR" sz="1000" b="0"/>
+                        <a:t>2</a:t>
+                      </a:r>
+                      <a:endParaRPr lang="ko-KR" altLang="en-US" sz="1000" b="0"/>
+                    </a:p>
+                  </a:txBody>
+                  <a:tcPr/>
+                </a:tc>
+                <a:tc>
+                  <a:txBody>
+                    <a:bodyPr/>
+                    <a:lstStyle/>
+                    <a:p>
+                      <a:pPr latinLnBrk="1"/>
+                      <a:r>
+                        <a:rPr lang="ko-KR" altLang="en-US" sz="1000"/>
+                        <a:t>매입처</a:t>
+                      </a:r>
+                    </a:p>
+                  </a:txBody>
+                  <a:tcPr/>
+                </a:tc>
+                <a:tc>
+                  <a:txBody>
+                    <a:bodyPr/>
+                    <a:lstStyle/>
+                    <a:p>
+                      <a:pPr latinLnBrk="1"/>
+                      <a:r>
+                        <a:rPr lang="ko-KR" altLang="en-US" sz="1000"/>
+                        <a:t>강남제비스</a:t>
+                      </a:r>
+                    </a:p>
+                  </a:txBody>
+                  <a:tcPr/>
+                </a:tc>
+                <a:tc>
+                  <a:txBody>
+                    <a:bodyPr/>
+                    <a:lstStyle/>
+                    <a:p>
+                      <a:pPr latinLnBrk="1"/>
+                      <a:r>
+                        <a:rPr lang="ko-KR" altLang="en-US" sz="1000"/>
+                        <a:t>김준형</a:t>
+                      </a:r>
+                    </a:p>
+                  </a:txBody>
+                  <a:tcPr/>
+                </a:tc>
+                <a:tc>
+                  <a:txBody>
+                    <a:bodyPr/>
+                    <a:lstStyle/>
+                    <a:p>
+                      <a:pPr latinLnBrk="1"/>
+                      <a:r>
+                        <a:rPr lang="ko-KR" altLang="en-US" sz="1000"/>
+                        <a:t>경기도 화성시 남양읍 공단로 </a:t>
+                      </a:r>
+                      <a:r>
+                        <a:rPr lang="en-US" altLang="ko-KR" sz="1000"/>
+                        <a:t>58</a:t>
+                      </a:r>
+                      <a:endParaRPr lang="ko-KR" altLang="en-US" sz="1000"/>
+                    </a:p>
+                  </a:txBody>
+                  <a:tcPr/>
+                </a:tc>
+                <a:tc>
+                  <a:txBody>
+                    <a:bodyPr/>
+                    <a:lstStyle/>
+                    <a:p>
+                      <a:pPr latinLnBrk="1"/>
+                      <a:r>
+                        <a:rPr lang="ko-KR" altLang="en-US" sz="1000"/>
+                        <a:t>도료</a:t>
+                      </a:r>
+                      <a:r>
+                        <a:rPr lang="en-US" altLang="ko-KR" sz="1000"/>
+                        <a:t>, </a:t>
+                      </a:r>
+                      <a:r>
+                        <a:rPr lang="ko-KR" altLang="en-US" sz="1000"/>
+                        <a:t>에폭시 공급</a:t>
+                      </a:r>
+                    </a:p>
+                  </a:txBody>
+                  <a:tcPr/>
+                </a:tc>
+                <a:tc>
+                  <a:txBody>
+                    <a:bodyPr/>
+                    <a:lstStyle/>
+                    <a:p>
+                      <a:pPr latinLnBrk="1"/>
+                      <a:r>
+                        <a:rPr lang="ko-KR" altLang="en-US" sz="1000"/>
+                        <a:t>거래중</a:t>
+                      </a:r>
                     </a:p>
                   </a:txBody>
                   <a:tcPr/>
@@ -3766,73 +3840,108 @@
                     <a:lstStyle/>
                     <a:p>
                       <a:pPr latinLnBrk="1"/>
-                      <a:endParaRPr lang="ko-KR" altLang="en-US"/>
-                    </a:p>
-                  </a:txBody>
-                  <a:tcPr/>
-                </a:tc>
-                <a:tc>
-                  <a:txBody>
-                    <a:bodyPr/>
-                    <a:lstStyle/>
-                    <a:p>
-                      <a:pPr latinLnBrk="1"/>
-                      <a:endParaRPr lang="ko-KR" altLang="en-US"/>
-                    </a:p>
-                  </a:txBody>
-                  <a:tcPr/>
-                </a:tc>
-                <a:tc>
-                  <a:txBody>
-                    <a:bodyPr/>
-                    <a:lstStyle/>
-                    <a:p>
-                      <a:pPr latinLnBrk="1"/>
-                      <a:endParaRPr lang="ko-KR" altLang="en-US"/>
-                    </a:p>
-                  </a:txBody>
-                  <a:tcPr/>
-                </a:tc>
-                <a:tc>
-                  <a:txBody>
-                    <a:bodyPr/>
-                    <a:lstStyle/>
-                    <a:p>
-                      <a:pPr latinLnBrk="1"/>
-                      <a:endParaRPr lang="ko-KR" altLang="en-US"/>
-                    </a:p>
-                  </a:txBody>
-                  <a:tcPr/>
-                </a:tc>
-                <a:tc>
-                  <a:txBody>
-                    <a:bodyPr/>
-                    <a:lstStyle/>
-                    <a:p>
-                      <a:pPr latinLnBrk="1"/>
-                      <a:endParaRPr lang="ko-KR" altLang="en-US"/>
-                    </a:p>
-                  </a:txBody>
-                  <a:tcPr/>
-                </a:tc>
-                <a:tc>
-                  <a:txBody>
-                    <a:bodyPr/>
-                    <a:lstStyle/>
-                    <a:p>
-                      <a:pPr latinLnBrk="1"/>
-                      <a:endParaRPr lang="ko-KR" altLang="en-US"/>
-                    </a:p>
-                  </a:txBody>
-                  <a:tcPr/>
-                </a:tc>
-                <a:tc>
-                  <a:txBody>
-                    <a:bodyPr/>
-                    <a:lstStyle/>
-                    <a:p>
-                      <a:pPr latinLnBrk="1"/>
-                      <a:endParaRPr lang="ko-KR" altLang="en-US"/>
+                      <a:r>
+                        <a:rPr lang="en-US" altLang="ko-KR" sz="1000" b="0"/>
+                        <a:t>3</a:t>
+                      </a:r>
+                      <a:endParaRPr lang="ko-KR" altLang="en-US" sz="1000" b="0"/>
+                    </a:p>
+                  </a:txBody>
+                  <a:tcPr/>
+                </a:tc>
+                <a:tc>
+                  <a:txBody>
+                    <a:bodyPr/>
+                    <a:lstStyle/>
+                    <a:p>
+                      <a:pPr latinLnBrk="1"/>
+                      <a:r>
+                        <a:rPr lang="ko-KR" altLang="en-US" sz="1000"/>
+                        <a:t>매입처</a:t>
+                      </a:r>
+                    </a:p>
+                  </a:txBody>
+                  <a:tcPr/>
+                </a:tc>
+                <a:tc>
+                  <a:txBody>
+                    <a:bodyPr/>
+                    <a:lstStyle/>
+                    <a:p>
+                      <a:pPr latinLnBrk="1"/>
+                      <a:r>
+                        <a:rPr lang="ko-KR" altLang="en-US" sz="1000"/>
+                        <a:t>페인트메카</a:t>
+                      </a:r>
+                    </a:p>
+                  </a:txBody>
+                  <a:tcPr/>
+                </a:tc>
+                <a:tc>
+                  <a:txBody>
+                    <a:bodyPr/>
+                    <a:lstStyle/>
+                    <a:p>
+                      <a:pPr latinLnBrk="1"/>
+                      <a:r>
+                        <a:rPr lang="ko-KR" altLang="en-US" sz="1000"/>
+                        <a:t>박선희</a:t>
+                      </a:r>
+                    </a:p>
+                  </a:txBody>
+                  <a:tcPr/>
+                </a:tc>
+                <a:tc>
+                  <a:txBody>
+                    <a:bodyPr/>
+                    <a:lstStyle/>
+                    <a:p>
+                      <a:pPr latinLnBrk="1"/>
+                      <a:r>
+                        <a:rPr lang="ko-KR" altLang="en-US" sz="1000"/>
+                        <a:t>충청남도 아산시 탕정면 산업단지로 </a:t>
+                      </a:r>
+                      <a:r>
+                        <a:rPr lang="en-US" altLang="ko-KR" sz="1000"/>
+                        <a:t>102</a:t>
+                      </a:r>
+                      <a:endParaRPr lang="ko-KR" altLang="en-US" sz="1000"/>
+                    </a:p>
+                  </a:txBody>
+                  <a:tcPr/>
+                </a:tc>
+                <a:tc>
+                  <a:txBody>
+                    <a:bodyPr/>
+                    <a:lstStyle/>
+                    <a:p>
+                      <a:pPr latinLnBrk="1"/>
+                      <a:r>
+                        <a:rPr lang="ko-KR" altLang="en-US" sz="1000"/>
+                        <a:t>프라이머</a:t>
+                      </a:r>
+                      <a:r>
+                        <a:rPr lang="en-US" altLang="ko-KR" sz="1000"/>
+                        <a:t>, </a:t>
+                      </a:r>
+                      <a:r>
+                        <a:rPr lang="ko-KR" altLang="en-US" sz="1000"/>
+                        <a:t>상도 도료 공급</a:t>
+                      </a:r>
+                    </a:p>
+                  </a:txBody>
+                  <a:tcPr/>
+                </a:tc>
+                <a:tc>
+                  <a:txBody>
+                    <a:bodyPr/>
+                    <a:lstStyle/>
+                    <a:p>
+                      <a:pPr latinLnBrk="1"/>
+                      <a:r>
+                        <a:rPr lang="ko-KR" altLang="en-US" sz="1000"/>
+                        <a:t>거래중</a:t>
+                      </a:r>
                     </a:p>
                   </a:txBody>
                   <a:tcPr/>
@@ -3850,73 +3959,128 @@
                     <a:lstStyle/>
                     <a:p>
                       <a:pPr latinLnBrk="1"/>
-                      <a:endParaRPr lang="ko-KR" altLang="en-US"/>
-                    </a:p>
-                  </a:txBody>
-                  <a:tcPr/>
-                </a:tc>
-                <a:tc>
-                  <a:txBody>
-                    <a:bodyPr/>
-                    <a:lstStyle/>
-                    <a:p>
-                      <a:pPr latinLnBrk="1"/>
-                      <a:endParaRPr lang="ko-KR" altLang="en-US"/>
-                    </a:p>
-                  </a:txBody>
-                  <a:tcPr/>
-                </a:tc>
-                <a:tc>
-                  <a:txBody>
-                    <a:bodyPr/>
-                    <a:lstStyle/>
-                    <a:p>
-                      <a:pPr latinLnBrk="1"/>
-                      <a:endParaRPr lang="ko-KR" altLang="en-US"/>
-                    </a:p>
-                  </a:txBody>
-                  <a:tcPr/>
-                </a:tc>
-                <a:tc>
-                  <a:txBody>
-                    <a:bodyPr/>
-                    <a:lstStyle/>
-                    <a:p>
-                      <a:pPr latinLnBrk="1"/>
-                      <a:endParaRPr lang="ko-KR" altLang="en-US"/>
-                    </a:p>
-                  </a:txBody>
-                  <a:tcPr/>
-                </a:tc>
-                <a:tc>
-                  <a:txBody>
-                    <a:bodyPr/>
-                    <a:lstStyle/>
-                    <a:p>
-                      <a:pPr latinLnBrk="1"/>
-                      <a:endParaRPr lang="ko-KR" altLang="en-US"/>
-                    </a:p>
-                  </a:txBody>
-                  <a:tcPr/>
-                </a:tc>
-                <a:tc>
-                  <a:txBody>
-                    <a:bodyPr/>
-                    <a:lstStyle/>
-                    <a:p>
-                      <a:pPr latinLnBrk="1"/>
-                      <a:endParaRPr lang="ko-KR" altLang="en-US"/>
-                    </a:p>
-                  </a:txBody>
-                  <a:tcPr/>
-                </a:tc>
-                <a:tc>
-                  <a:txBody>
-                    <a:bodyPr/>
-                    <a:lstStyle/>
-                    <a:p>
-                      <a:pPr latinLnBrk="1"/>
-                      <a:endParaRPr lang="ko-KR" altLang="en-US"/>
+                      <a:r>
+                        <a:rPr lang="en-US" altLang="ko-KR" sz="1000" b="0"/>
+                        <a:t>4</a:t>
+                      </a:r>
+                      <a:endParaRPr lang="ko-KR" altLang="en-US" sz="1000" b="0"/>
+                    </a:p>
+                  </a:txBody>
+                  <a:tcPr/>
+                </a:tc>
+                <a:tc>
+                  <a:txBody>
+                    <a:bodyPr/>
+                    <a:lstStyle/>
+                    <a:p>
+                      <a:pPr latinLnBrk="1"/>
+                      <a:r>
+                        <a:rPr lang="ko-KR" altLang="en-US" sz="1000"/>
+                        <a:t>거래처</a:t>
+                      </a:r>
+                    </a:p>
+                  </a:txBody>
+                  <a:tcPr/>
+                </a:tc>
+                <a:tc>
+                  <a:txBody>
+                    <a:bodyPr/>
+                    <a:lstStyle/>
+                    <a:p>
+                      <a:pPr latinLnBrk="1"/>
+                      <a:r>
+                        <a:rPr lang="ko-KR" altLang="en-US" sz="1000"/>
+                        <a:t>일도포장 </a:t>
+                      </a:r>
+                    </a:p>
+                  </a:txBody>
+                  <a:tcPr/>
+                </a:tc>
+                <a:tc>
+                  <a:txBody>
+                    <a:bodyPr/>
+                    <a:lstStyle/>
+                    <a:p>
+                      <a:pPr latinLnBrk="1"/>
+                      <a:r>
+                        <a:rPr lang="ko-KR" altLang="en-US" sz="1000"/>
+                        <a:t>박선호</a:t>
+                      </a:r>
+                    </a:p>
+                  </a:txBody>
+                  <a:tcPr/>
+                </a:tc>
+                <a:tc>
+                  <a:txBody>
+                    <a:bodyPr/>
+                    <a:lstStyle/>
+                    <a:p>
+                      <a:pPr latinLnBrk="1"/>
+                      <a:r>
+                        <a:rPr lang="ko-KR" altLang="en-US" sz="1000"/>
+                        <a:t>경기도 시흥시 정왕동 </a:t>
+                      </a:r>
+                      <a:r>
+                        <a:rPr lang="en-US" altLang="ko-KR" sz="1000"/>
+                        <a:t>2487-12</a:t>
+                      </a:r>
+                      <a:endParaRPr lang="ko-KR" altLang="en-US" sz="1000"/>
+                    </a:p>
+                  </a:txBody>
+                  <a:tcPr/>
+                </a:tc>
+                <a:tc>
+                  <a:txBody>
+                    <a:bodyPr/>
+                    <a:lstStyle/>
+                    <a:p>
+                      <a:pPr latinLnBrk="1"/>
+                      <a:r>
+                        <a:rPr lang="ko-KR" altLang="en-US" sz="1000"/>
+                        <a:t>포장재</a:t>
+                      </a:r>
+                      <a:r>
+                        <a:rPr lang="en-US" altLang="ko-KR" sz="1000"/>
+                        <a:t>, </a:t>
+                      </a:r>
+                      <a:r>
+                        <a:rPr lang="ko-KR" altLang="en-US" sz="1000"/>
+                        <a:t>박스류 납품</a:t>
+                      </a:r>
+                    </a:p>
+                  </a:txBody>
+                  <a:tcPr/>
+                </a:tc>
+                <a:tc>
+                  <a:txBody>
+                    <a:bodyPr/>
+                    <a:lstStyle/>
+                    <a:p>
+                      <a:pPr marL="0" marR="0" lvl="0" indent="0" algn="l" defTabSz="914400" rtl="0" eaLnBrk="1" fontAlgn="auto" latinLnBrk="1" hangingPunct="1">
+                        <a:lnSpc>
+                          <a:spcPct val="100000"/>
+                        </a:lnSpc>
+                        <a:spcBef>
+                          <a:spcPts val="0"/>
+                        </a:spcBef>
+                        <a:spcAft>
+                          <a:spcPts val="0"/>
+                        </a:spcAft>
+                        <a:buClrTx/>
+                        <a:buSzTx/>
+                        <a:buFontTx/>
+                        <a:buNone/>
+                        <a:tabLst/>
+                        <a:defRPr/>
+                      </a:pPr>
+                      <a:r>
+                        <a:rPr lang="ko-KR" altLang="en-US" sz="1000"/>
+                        <a:t>거래종료</a:t>
+                      </a:r>
+                    </a:p>
+                    <a:p>
+                      <a:pPr latinLnBrk="1"/>
+                      <a:endParaRPr lang="ko-KR" altLang="en-US" sz="1000"/>
                     </a:p>
                   </a:txBody>
                   <a:tcPr/>
@@ -3934,73 +4098,120 @@
                     <a:lstStyle/>
                     <a:p>
                       <a:pPr latinLnBrk="1"/>
-                      <a:endParaRPr lang="ko-KR" altLang="en-US" b="1"/>
-                    </a:p>
-                  </a:txBody>
-                  <a:tcPr/>
-                </a:tc>
-                <a:tc>
-                  <a:txBody>
-                    <a:bodyPr/>
-                    <a:lstStyle/>
-                    <a:p>
-                      <a:pPr latinLnBrk="1"/>
-                      <a:endParaRPr lang="ko-KR" altLang="en-US"/>
-                    </a:p>
-                  </a:txBody>
-                  <a:tcPr/>
-                </a:tc>
-                <a:tc>
-                  <a:txBody>
-                    <a:bodyPr/>
-                    <a:lstStyle/>
-                    <a:p>
-                      <a:pPr latinLnBrk="1"/>
-                      <a:endParaRPr lang="ko-KR" altLang="en-US"/>
-                    </a:p>
-                  </a:txBody>
-                  <a:tcPr/>
-                </a:tc>
-                <a:tc>
-                  <a:txBody>
-                    <a:bodyPr/>
-                    <a:lstStyle/>
-                    <a:p>
-                      <a:pPr latinLnBrk="1"/>
-                      <a:endParaRPr lang="ko-KR" altLang="en-US"/>
-                    </a:p>
-                  </a:txBody>
-                  <a:tcPr/>
-                </a:tc>
-                <a:tc>
-                  <a:txBody>
-                    <a:bodyPr/>
-                    <a:lstStyle/>
-                    <a:p>
-                      <a:pPr latinLnBrk="1"/>
-                      <a:endParaRPr lang="ko-KR" altLang="en-US"/>
-                    </a:p>
-                  </a:txBody>
-                  <a:tcPr/>
-                </a:tc>
-                <a:tc>
-                  <a:txBody>
-                    <a:bodyPr/>
-                    <a:lstStyle/>
-                    <a:p>
-                      <a:pPr latinLnBrk="1"/>
-                      <a:endParaRPr lang="ko-KR" altLang="en-US"/>
-                    </a:p>
-                  </a:txBody>
-                  <a:tcPr/>
-                </a:tc>
-                <a:tc>
-                  <a:txBody>
-                    <a:bodyPr/>
-                    <a:lstStyle/>
-                    <a:p>
-                      <a:pPr latinLnBrk="1"/>
-                      <a:endParaRPr lang="ko-KR" altLang="en-US"/>
+                      <a:r>
+                        <a:rPr lang="en-US" altLang="ko-KR" sz="1000" b="0"/>
+                        <a:t>5</a:t>
+                      </a:r>
+                      <a:endParaRPr lang="ko-KR" altLang="en-US" sz="1000" b="0"/>
+                    </a:p>
+                  </a:txBody>
+                  <a:tcPr/>
+                </a:tc>
+                <a:tc>
+                  <a:txBody>
+                    <a:bodyPr/>
+                    <a:lstStyle/>
+                    <a:p>
+                      <a:pPr latinLnBrk="1"/>
+                      <a:r>
+                        <a:rPr lang="ko-KR" altLang="en-US" sz="1000"/>
+                        <a:t>거래처</a:t>
+                      </a:r>
+                    </a:p>
+                  </a:txBody>
+                  <a:tcPr/>
+                </a:tc>
+                <a:tc>
+                  <a:txBody>
+                    <a:bodyPr/>
+                    <a:lstStyle/>
+                    <a:p>
+                      <a:pPr latinLnBrk="1"/>
+                      <a:r>
+                        <a:rPr lang="ko-KR" altLang="en-US" sz="1000"/>
+                        <a:t>일도테크</a:t>
+                      </a:r>
+                    </a:p>
+                  </a:txBody>
+                  <a:tcPr/>
+                </a:tc>
+                <a:tc>
+                  <a:txBody>
+                    <a:bodyPr/>
+                    <a:lstStyle/>
+                    <a:p>
+                      <a:pPr latinLnBrk="1"/>
+                      <a:r>
+                        <a:rPr lang="ko-KR" altLang="en-US" sz="1000"/>
+                        <a:t>김성호</a:t>
+                      </a:r>
+                    </a:p>
+                  </a:txBody>
+                  <a:tcPr/>
+                </a:tc>
+                <a:tc>
+                  <a:txBody>
+                    <a:bodyPr/>
+                    <a:lstStyle/>
+                    <a:p>
+                      <a:pPr latinLnBrk="1"/>
+                      <a:r>
+                        <a:rPr lang="ko-KR" altLang="en-US" sz="1000"/>
+                        <a:t>경기도 안산시 반월공단로 </a:t>
+                      </a:r>
+                      <a:r>
+                        <a:rPr lang="en-US" altLang="ko-KR" sz="1000"/>
+                        <a:t>77</a:t>
+                      </a:r>
+                      <a:endParaRPr lang="ko-KR" altLang="en-US" sz="1000"/>
+                    </a:p>
+                  </a:txBody>
+                  <a:tcPr/>
+                </a:tc>
+                <a:tc>
+                  <a:txBody>
+                    <a:bodyPr/>
+                    <a:lstStyle/>
+                    <a:p>
+                      <a:pPr latinLnBrk="1"/>
+                      <a:r>
+                        <a:rPr lang="ko-KR" altLang="en-US" sz="1000"/>
+                        <a:t>대전방지 무광 도료 납품</a:t>
+                      </a:r>
+                    </a:p>
+                  </a:txBody>
+                  <a:tcPr/>
+                </a:tc>
+                <a:tc>
+                  <a:txBody>
+                    <a:bodyPr/>
+                    <a:lstStyle/>
+                    <a:p>
+                      <a:pPr marL="0" marR="0" lvl="0" indent="0" algn="l" defTabSz="914400" rtl="0" eaLnBrk="1" fontAlgn="auto" latinLnBrk="1" hangingPunct="1">
+                        <a:lnSpc>
+                          <a:spcPct val="100000"/>
+                        </a:lnSpc>
+                        <a:spcBef>
+                          <a:spcPts val="0"/>
+                        </a:spcBef>
+                        <a:spcAft>
+                          <a:spcPts val="0"/>
+                        </a:spcAft>
+                        <a:buClrTx/>
+                        <a:buSzTx/>
+                        <a:buFontTx/>
+                        <a:buNone/>
+                        <a:tabLst/>
+                        <a:defRPr/>
+                      </a:pPr>
+                      <a:r>
+                        <a:rPr lang="ko-KR" altLang="en-US" sz="1000"/>
+                        <a:t>거래중</a:t>
+                      </a:r>
+                    </a:p>
+                    <a:p>
+                      <a:pPr latinLnBrk="1"/>
+                      <a:endParaRPr lang="ko-KR" altLang="en-US" sz="1000"/>
                     </a:p>
                   </a:txBody>
                   <a:tcPr/>
@@ -4018,73 +4229,120 @@
                     <a:lstStyle/>
                     <a:p>
                       <a:pPr latinLnBrk="1"/>
-                      <a:endParaRPr lang="ko-KR" altLang="en-US" b="1"/>
-                    </a:p>
-                  </a:txBody>
-                  <a:tcPr/>
-                </a:tc>
-                <a:tc>
-                  <a:txBody>
-                    <a:bodyPr/>
-                    <a:lstStyle/>
-                    <a:p>
-                      <a:pPr latinLnBrk="1"/>
-                      <a:endParaRPr lang="ko-KR" altLang="en-US"/>
-                    </a:p>
-                  </a:txBody>
-                  <a:tcPr/>
-                </a:tc>
-                <a:tc>
-                  <a:txBody>
-                    <a:bodyPr/>
-                    <a:lstStyle/>
-                    <a:p>
-                      <a:pPr latinLnBrk="1"/>
-                      <a:endParaRPr lang="ko-KR" altLang="en-US"/>
-                    </a:p>
-                  </a:txBody>
-                  <a:tcPr/>
-                </a:tc>
-                <a:tc>
-                  <a:txBody>
-                    <a:bodyPr/>
-                    <a:lstStyle/>
-                    <a:p>
-                      <a:pPr latinLnBrk="1"/>
-                      <a:endParaRPr lang="ko-KR" altLang="en-US"/>
-                    </a:p>
-                  </a:txBody>
-                  <a:tcPr/>
-                </a:tc>
-                <a:tc>
-                  <a:txBody>
-                    <a:bodyPr/>
-                    <a:lstStyle/>
-                    <a:p>
-                      <a:pPr latinLnBrk="1"/>
-                      <a:endParaRPr lang="ko-KR" altLang="en-US"/>
-                    </a:p>
-                  </a:txBody>
-                  <a:tcPr/>
-                </a:tc>
-                <a:tc>
-                  <a:txBody>
-                    <a:bodyPr/>
-                    <a:lstStyle/>
-                    <a:p>
-                      <a:pPr latinLnBrk="1"/>
-                      <a:endParaRPr lang="ko-KR" altLang="en-US"/>
-                    </a:p>
-                  </a:txBody>
-                  <a:tcPr/>
-                </a:tc>
-                <a:tc>
-                  <a:txBody>
-                    <a:bodyPr/>
-                    <a:lstStyle/>
-                    <a:p>
-                      <a:pPr latinLnBrk="1"/>
-                      <a:endParaRPr lang="ko-KR" altLang="en-US"/>
+                      <a:r>
+                        <a:rPr lang="en-US" altLang="ko-KR" sz="1000" b="0"/>
+                        <a:t>6</a:t>
+                      </a:r>
+                      <a:endParaRPr lang="ko-KR" altLang="en-US" sz="1000" b="0"/>
+                    </a:p>
+                  </a:txBody>
+                  <a:tcPr/>
+                </a:tc>
+                <a:tc>
+                  <a:txBody>
+                    <a:bodyPr/>
+                    <a:lstStyle/>
+                    <a:p>
+                      <a:pPr latinLnBrk="1"/>
+                      <a:r>
+                        <a:rPr lang="ko-KR" altLang="en-US" sz="1000"/>
+                        <a:t>거래처</a:t>
+                      </a:r>
+                    </a:p>
+                  </a:txBody>
+                  <a:tcPr/>
+                </a:tc>
+                <a:tc>
+                  <a:txBody>
+                    <a:bodyPr/>
+                    <a:lstStyle/>
+                    <a:p>
+                      <a:pPr latinLnBrk="1"/>
+                      <a:r>
+                        <a:rPr lang="ko-KR" altLang="en-US" sz="1000"/>
+                        <a:t>일도정공</a:t>
+                      </a:r>
+                    </a:p>
+                  </a:txBody>
+                  <a:tcPr/>
+                </a:tc>
+                <a:tc>
+                  <a:txBody>
+                    <a:bodyPr/>
+                    <a:lstStyle/>
+                    <a:p>
+                      <a:pPr latinLnBrk="1"/>
+                      <a:r>
+                        <a:rPr lang="ko-KR" altLang="en-US" sz="1000"/>
+                        <a:t>최윤석</a:t>
+                      </a:r>
+                    </a:p>
+                  </a:txBody>
+                  <a:tcPr/>
+                </a:tc>
+                <a:tc>
+                  <a:txBody>
+                    <a:bodyPr/>
+                    <a:lstStyle/>
+                    <a:p>
+                      <a:pPr latinLnBrk="1"/>
+                      <a:r>
+                        <a:rPr lang="ko-KR" altLang="en-US" sz="1000"/>
+                        <a:t>경기도 안산시 원시로 </a:t>
+                      </a:r>
+                      <a:r>
+                        <a:rPr lang="en-US" altLang="ko-KR" sz="1000"/>
+                        <a:t>210</a:t>
+                      </a:r>
+                      <a:endParaRPr lang="ko-KR" altLang="en-US" sz="1000"/>
+                    </a:p>
+                  </a:txBody>
+                  <a:tcPr/>
+                </a:tc>
+                <a:tc>
+                  <a:txBody>
+                    <a:bodyPr/>
+                    <a:lstStyle/>
+                    <a:p>
+                      <a:pPr latinLnBrk="1"/>
+                      <a:r>
+                        <a:rPr lang="ko-KR" altLang="en-US" sz="1000"/>
+                        <a:t>금속 시 필요한 제품 공급 </a:t>
+                      </a:r>
+                    </a:p>
+                  </a:txBody>
+                  <a:tcPr/>
+                </a:tc>
+                <a:tc>
+                  <a:txBody>
+                    <a:bodyPr/>
+                    <a:lstStyle/>
+                    <a:p>
+                      <a:pPr marL="0" marR="0" lvl="0" indent="0" algn="l" defTabSz="914400" rtl="0" eaLnBrk="1" fontAlgn="auto" latinLnBrk="1" hangingPunct="1">
+                        <a:lnSpc>
+                          <a:spcPct val="100000"/>
+                        </a:lnSpc>
+                        <a:spcBef>
+                          <a:spcPts val="0"/>
+                        </a:spcBef>
+                        <a:spcAft>
+                          <a:spcPts val="0"/>
+                        </a:spcAft>
+                        <a:buClrTx/>
+                        <a:buSzTx/>
+                        <a:buFontTx/>
+                        <a:buNone/>
+                        <a:tabLst/>
+                        <a:defRPr/>
+                      </a:pPr>
+                      <a:r>
+                        <a:rPr lang="ko-KR" altLang="en-US" sz="1000"/>
+                        <a:t>거래중</a:t>
+                      </a:r>
+                    </a:p>
+                    <a:p>
+                      <a:pPr latinLnBrk="1"/>
+                      <a:endParaRPr lang="ko-KR" altLang="en-US" sz="1000"/>
                     </a:p>
                   </a:txBody>
                   <a:tcPr/>
@@ -4102,73 +4360,128 @@
                     <a:lstStyle/>
                     <a:p>
                       <a:pPr latinLnBrk="1"/>
-                      <a:endParaRPr lang="ko-KR" altLang="en-US" b="1"/>
-                    </a:p>
-                  </a:txBody>
-                  <a:tcPr/>
-                </a:tc>
-                <a:tc>
-                  <a:txBody>
-                    <a:bodyPr/>
-                    <a:lstStyle/>
-                    <a:p>
-                      <a:pPr latinLnBrk="1"/>
-                      <a:endParaRPr lang="ko-KR" altLang="en-US"/>
-                    </a:p>
-                  </a:txBody>
-                  <a:tcPr/>
-                </a:tc>
-                <a:tc>
-                  <a:txBody>
-                    <a:bodyPr/>
-                    <a:lstStyle/>
-                    <a:p>
-                      <a:pPr latinLnBrk="1"/>
-                      <a:endParaRPr lang="ko-KR" altLang="en-US"/>
-                    </a:p>
-                  </a:txBody>
-                  <a:tcPr/>
-                </a:tc>
-                <a:tc>
-                  <a:txBody>
-                    <a:bodyPr/>
-                    <a:lstStyle/>
-                    <a:p>
-                      <a:pPr latinLnBrk="1"/>
-                      <a:endParaRPr lang="ko-KR" altLang="en-US"/>
-                    </a:p>
-                  </a:txBody>
-                  <a:tcPr/>
-                </a:tc>
-                <a:tc>
-                  <a:txBody>
-                    <a:bodyPr/>
-                    <a:lstStyle/>
-                    <a:p>
-                      <a:pPr latinLnBrk="1"/>
-                      <a:endParaRPr lang="ko-KR" altLang="en-US"/>
-                    </a:p>
-                  </a:txBody>
-                  <a:tcPr/>
-                </a:tc>
-                <a:tc>
-                  <a:txBody>
-                    <a:bodyPr/>
-                    <a:lstStyle/>
-                    <a:p>
-                      <a:pPr latinLnBrk="1"/>
-                      <a:endParaRPr lang="ko-KR" altLang="en-US"/>
-                    </a:p>
-                  </a:txBody>
-                  <a:tcPr/>
-                </a:tc>
-                <a:tc>
-                  <a:txBody>
-                    <a:bodyPr/>
-                    <a:lstStyle/>
-                    <a:p>
-                      <a:pPr latinLnBrk="1"/>
-                      <a:endParaRPr lang="ko-KR" altLang="en-US"/>
+                      <a:r>
+                        <a:rPr lang="en-US" altLang="ko-KR" sz="1000" b="0"/>
+                        <a:t>7</a:t>
+                      </a:r>
+                      <a:endParaRPr lang="ko-KR" altLang="en-US" sz="1000" b="0"/>
+                    </a:p>
+                  </a:txBody>
+                  <a:tcPr/>
+                </a:tc>
+                <a:tc>
+                  <a:txBody>
+                    <a:bodyPr/>
+                    <a:lstStyle/>
+                    <a:p>
+                      <a:pPr latinLnBrk="1"/>
+                      <a:r>
+                        <a:rPr lang="ko-KR" altLang="en-US" sz="1000"/>
+                        <a:t>매입처</a:t>
+                      </a:r>
+                    </a:p>
+                  </a:txBody>
+                  <a:tcPr/>
+                </a:tc>
+                <a:tc>
+                  <a:txBody>
+                    <a:bodyPr/>
+                    <a:lstStyle/>
+                    <a:p>
+                      <a:pPr latinLnBrk="1"/>
+                      <a:r>
+                        <a:rPr lang="ko-KR" altLang="en-US" sz="1000"/>
+                        <a:t>이도정밀</a:t>
+                      </a:r>
+                    </a:p>
+                  </a:txBody>
+                  <a:tcPr/>
+                </a:tc>
+                <a:tc>
+                  <a:txBody>
+                    <a:bodyPr/>
+                    <a:lstStyle/>
+                    <a:p>
+                      <a:pPr latinLnBrk="1"/>
+                      <a:r>
+                        <a:rPr lang="ko-KR" altLang="en-US" sz="1000"/>
+                        <a:t>이윤식</a:t>
+                      </a:r>
+                    </a:p>
+                  </a:txBody>
+                  <a:tcPr/>
+                </a:tc>
+                <a:tc>
+                  <a:txBody>
+                    <a:bodyPr/>
+                    <a:lstStyle/>
+                    <a:p>
+                      <a:pPr latinLnBrk="1"/>
+                      <a:r>
+                        <a:rPr lang="ko-KR" altLang="en-US" sz="1000"/>
+                        <a:t>경기도 시흥시 공단</a:t>
+                      </a:r>
+                      <a:r>
+                        <a:rPr lang="en-US" altLang="ko-KR" sz="1000"/>
+                        <a:t>1</a:t>
+                      </a:r>
+                      <a:r>
+                        <a:rPr lang="ko-KR" altLang="en-US" sz="1000"/>
+                        <a:t>대로 </a:t>
+                      </a:r>
+                      <a:r>
+                        <a:rPr lang="en-US" altLang="ko-KR" sz="1000"/>
+                        <a:t>95</a:t>
+                      </a:r>
+                      <a:endParaRPr lang="ko-KR" altLang="en-US" sz="1000"/>
+                    </a:p>
+                  </a:txBody>
+                  <a:tcPr/>
+                </a:tc>
+                <a:tc>
+                  <a:txBody>
+                    <a:bodyPr/>
+                    <a:lstStyle/>
+                    <a:p>
+                      <a:pPr latinLnBrk="1"/>
+                      <a:r>
+                        <a:rPr lang="ko-KR" altLang="en-US" sz="1000"/>
+                        <a:t>스테인리스 공급</a:t>
+                      </a:r>
+                    </a:p>
+                  </a:txBody>
+                  <a:tcPr/>
+                </a:tc>
+                <a:tc>
+                  <a:txBody>
+                    <a:bodyPr/>
+                    <a:lstStyle/>
+                    <a:p>
+                      <a:pPr marL="0" marR="0" lvl="0" indent="0" algn="l" defTabSz="914400" rtl="0" eaLnBrk="1" fontAlgn="auto" latinLnBrk="1" hangingPunct="1">
+                        <a:lnSpc>
+                          <a:spcPct val="100000"/>
+                        </a:lnSpc>
+                        <a:spcBef>
+                          <a:spcPts val="0"/>
+                        </a:spcBef>
+                        <a:spcAft>
+                          <a:spcPts val="0"/>
+                        </a:spcAft>
+                        <a:buClrTx/>
+                        <a:buSzTx/>
+                        <a:buFontTx/>
+                        <a:buNone/>
+                        <a:tabLst/>
+                        <a:defRPr/>
+                      </a:pPr>
+                      <a:r>
+                        <a:rPr lang="ko-KR" altLang="en-US" sz="1000"/>
+                        <a:t>거래중</a:t>
+                      </a:r>
+                    </a:p>
+                    <a:p>
+                      <a:pPr latinLnBrk="1"/>
+                      <a:endParaRPr lang="ko-KR" altLang="en-US" sz="1000"/>
                     </a:p>
                   </a:txBody>
                   <a:tcPr/>
@@ -4179,80 +4492,135 @@
                   </a:ext>
                 </a:extLst>
               </a:tr>
-              <a:tr h="370840">
-                <a:tc>
-                  <a:txBody>
-                    <a:bodyPr/>
-                    <a:lstStyle/>
-                    <a:p>
-                      <a:pPr latinLnBrk="1"/>
-                      <a:endParaRPr lang="ko-KR" altLang="en-US" b="1"/>
-                    </a:p>
-                  </a:txBody>
-                  <a:tcPr/>
-                </a:tc>
-                <a:tc>
-                  <a:txBody>
-                    <a:bodyPr/>
-                    <a:lstStyle/>
-                    <a:p>
-                      <a:pPr latinLnBrk="1"/>
-                      <a:endParaRPr lang="ko-KR" altLang="en-US"/>
-                    </a:p>
-                  </a:txBody>
-                  <a:tcPr/>
-                </a:tc>
-                <a:tc>
-                  <a:txBody>
-                    <a:bodyPr/>
-                    <a:lstStyle/>
-                    <a:p>
-                      <a:pPr latinLnBrk="1"/>
-                      <a:endParaRPr lang="ko-KR" altLang="en-US"/>
-                    </a:p>
-                  </a:txBody>
-                  <a:tcPr/>
-                </a:tc>
-                <a:tc>
-                  <a:txBody>
-                    <a:bodyPr/>
-                    <a:lstStyle/>
-                    <a:p>
-                      <a:pPr latinLnBrk="1"/>
-                      <a:endParaRPr lang="ko-KR" altLang="en-US"/>
-                    </a:p>
-                  </a:txBody>
-                  <a:tcPr/>
-                </a:tc>
-                <a:tc>
-                  <a:txBody>
-                    <a:bodyPr/>
-                    <a:lstStyle/>
-                    <a:p>
-                      <a:pPr latinLnBrk="1"/>
-                      <a:endParaRPr lang="ko-KR" altLang="en-US"/>
-                    </a:p>
-                  </a:txBody>
-                  <a:tcPr/>
-                </a:tc>
-                <a:tc>
-                  <a:txBody>
-                    <a:bodyPr/>
-                    <a:lstStyle/>
-                    <a:p>
-                      <a:pPr latinLnBrk="1"/>
-                      <a:endParaRPr lang="ko-KR" altLang="en-US"/>
-                    </a:p>
-                  </a:txBody>
-                  <a:tcPr/>
-                </a:tc>
-                <a:tc>
-                  <a:txBody>
-                    <a:bodyPr/>
-                    <a:lstStyle/>
-                    <a:p>
-                      <a:pPr latinLnBrk="1"/>
-                      <a:endParaRPr lang="ko-KR" altLang="en-US"/>
+              <a:tr h="406487">
+                <a:tc>
+                  <a:txBody>
+                    <a:bodyPr/>
+                    <a:lstStyle/>
+                    <a:p>
+                      <a:pPr latinLnBrk="1"/>
+                      <a:r>
+                        <a:rPr lang="en-US" altLang="ko-KR" sz="1000" b="0"/>
+                        <a:t>8</a:t>
+                      </a:r>
+                      <a:endParaRPr lang="ko-KR" altLang="en-US" sz="1000" b="0"/>
+                    </a:p>
+                  </a:txBody>
+                  <a:tcPr/>
+                </a:tc>
+                <a:tc>
+                  <a:txBody>
+                    <a:bodyPr/>
+                    <a:lstStyle/>
+                    <a:p>
+                      <a:pPr latinLnBrk="1"/>
+                      <a:r>
+                        <a:rPr lang="ko-KR" altLang="en-US" sz="1000"/>
+                        <a:t>거래처</a:t>
+                      </a:r>
+                    </a:p>
+                  </a:txBody>
+                  <a:tcPr/>
+                </a:tc>
+                <a:tc>
+                  <a:txBody>
+                    <a:bodyPr/>
+                    <a:lstStyle/>
+                    <a:p>
+                      <a:pPr latinLnBrk="1"/>
+                      <a:r>
+                        <a:rPr lang="ko-KR" altLang="en-US" sz="1000"/>
+                        <a:t>세진테크</a:t>
+                      </a:r>
+                    </a:p>
+                  </a:txBody>
+                  <a:tcPr/>
+                </a:tc>
+                <a:tc>
+                  <a:txBody>
+                    <a:bodyPr/>
+                    <a:lstStyle/>
+                    <a:p>
+                      <a:pPr latinLnBrk="1"/>
+                      <a:r>
+                        <a:rPr lang="ko-KR" altLang="en-US" sz="1000"/>
+                        <a:t>박재우</a:t>
+                      </a:r>
+                    </a:p>
+                  </a:txBody>
+                  <a:tcPr/>
+                </a:tc>
+                <a:tc>
+                  <a:txBody>
+                    <a:bodyPr/>
+                    <a:lstStyle/>
+                    <a:p>
+                      <a:pPr latinLnBrk="1"/>
+                      <a:r>
+                        <a:rPr lang="ko-KR" altLang="en-US" sz="1000"/>
+                        <a:t>경기도 시흥시 공단</a:t>
+                      </a:r>
+                      <a:r>
+                        <a:rPr lang="en-US" altLang="ko-KR" sz="1000"/>
+                        <a:t>2</a:t>
+                      </a:r>
+                      <a:r>
+                        <a:rPr lang="ko-KR" altLang="en-US" sz="1000"/>
+                        <a:t>대로 </a:t>
+                      </a:r>
+                      <a:r>
+                        <a:rPr lang="en-US" altLang="ko-KR" sz="1000"/>
+                        <a:t>83</a:t>
+                      </a:r>
+                      <a:endParaRPr lang="ko-KR" altLang="en-US" sz="1000"/>
+                    </a:p>
+                  </a:txBody>
+                  <a:tcPr/>
+                </a:tc>
+                <a:tc>
+                  <a:txBody>
+                    <a:bodyPr/>
+                    <a:lstStyle/>
+                    <a:p>
+                      <a:pPr latinLnBrk="1"/>
+                      <a:r>
+                        <a:rPr lang="ko-KR" altLang="en-US" sz="1000"/>
+                        <a:t>도막두께 측정기 납품</a:t>
+                      </a:r>
+                    </a:p>
+                  </a:txBody>
+                  <a:tcPr/>
+                </a:tc>
+                <a:tc>
+                  <a:txBody>
+                    <a:bodyPr/>
+                    <a:lstStyle/>
+                    <a:p>
+                      <a:pPr marL="0" marR="0" lvl="0" indent="0" algn="l" defTabSz="914400" rtl="0" eaLnBrk="1" fontAlgn="auto" latinLnBrk="1" hangingPunct="1">
+                        <a:lnSpc>
+                          <a:spcPct val="100000"/>
+                        </a:lnSpc>
+                        <a:spcBef>
+                          <a:spcPts val="0"/>
+                        </a:spcBef>
+                        <a:spcAft>
+                          <a:spcPts val="0"/>
+                        </a:spcAft>
+                        <a:buClrTx/>
+                        <a:buSzTx/>
+                        <a:buFontTx/>
+                        <a:buNone/>
+                        <a:tabLst/>
+                        <a:defRPr/>
+                      </a:pPr>
+                      <a:r>
+                        <a:rPr lang="ko-KR" altLang="en-US" sz="1000"/>
+                        <a:t>거래중</a:t>
+                      </a:r>
+                    </a:p>
+                    <a:p>
+                      <a:pPr latinLnBrk="1"/>
+                      <a:endParaRPr lang="ko-KR" altLang="en-US" sz="1000"/>
                     </a:p>
                   </a:txBody>
                   <a:tcPr/>
@@ -4270,73 +4638,128 @@
                     <a:lstStyle/>
                     <a:p>
                       <a:pPr latinLnBrk="1"/>
-                      <a:endParaRPr lang="ko-KR" altLang="en-US" b="1"/>
-                    </a:p>
-                  </a:txBody>
-                  <a:tcPr/>
-                </a:tc>
-                <a:tc>
-                  <a:txBody>
-                    <a:bodyPr/>
-                    <a:lstStyle/>
-                    <a:p>
-                      <a:pPr latinLnBrk="1"/>
-                      <a:endParaRPr lang="ko-KR" altLang="en-US"/>
-                    </a:p>
-                  </a:txBody>
-                  <a:tcPr/>
-                </a:tc>
-                <a:tc>
-                  <a:txBody>
-                    <a:bodyPr/>
-                    <a:lstStyle/>
-                    <a:p>
-                      <a:pPr latinLnBrk="1"/>
-                      <a:endParaRPr lang="ko-KR" altLang="en-US"/>
-                    </a:p>
-                  </a:txBody>
-                  <a:tcPr/>
-                </a:tc>
-                <a:tc>
-                  <a:txBody>
-                    <a:bodyPr/>
-                    <a:lstStyle/>
-                    <a:p>
-                      <a:pPr latinLnBrk="1"/>
-                      <a:endParaRPr lang="ko-KR" altLang="en-US"/>
-                    </a:p>
-                  </a:txBody>
-                  <a:tcPr/>
-                </a:tc>
-                <a:tc>
-                  <a:txBody>
-                    <a:bodyPr/>
-                    <a:lstStyle/>
-                    <a:p>
-                      <a:pPr latinLnBrk="1"/>
-                      <a:endParaRPr lang="ko-KR" altLang="en-US"/>
-                    </a:p>
-                  </a:txBody>
-                  <a:tcPr/>
-                </a:tc>
-                <a:tc>
-                  <a:txBody>
-                    <a:bodyPr/>
-                    <a:lstStyle/>
-                    <a:p>
-                      <a:pPr latinLnBrk="1"/>
-                      <a:endParaRPr lang="ko-KR" altLang="en-US"/>
-                    </a:p>
-                  </a:txBody>
-                  <a:tcPr/>
-                </a:tc>
-                <a:tc>
-                  <a:txBody>
-                    <a:bodyPr/>
-                    <a:lstStyle/>
-                    <a:p>
-                      <a:pPr latinLnBrk="1"/>
-                      <a:endParaRPr lang="ko-KR" altLang="en-US"/>
+                      <a:r>
+                        <a:rPr lang="en-US" altLang="ko-KR" sz="1000" b="0"/>
+                        <a:t>9</a:t>
+                      </a:r>
+                      <a:endParaRPr lang="ko-KR" altLang="en-US" sz="1000" b="0"/>
+                    </a:p>
+                  </a:txBody>
+                  <a:tcPr/>
+                </a:tc>
+                <a:tc>
+                  <a:txBody>
+                    <a:bodyPr/>
+                    <a:lstStyle/>
+                    <a:p>
+                      <a:pPr latinLnBrk="1"/>
+                      <a:r>
+                        <a:rPr lang="ko-KR" altLang="en-US" sz="1000"/>
+                        <a:t>매입처</a:t>
+                      </a:r>
+                    </a:p>
+                  </a:txBody>
+                  <a:tcPr/>
+                </a:tc>
+                <a:tc>
+                  <a:txBody>
+                    <a:bodyPr/>
+                    <a:lstStyle/>
+                    <a:p>
+                      <a:pPr latinLnBrk="1"/>
+                      <a:r>
+                        <a:rPr lang="ko-KR" altLang="en-US" sz="1000"/>
+                        <a:t>세진테크</a:t>
+                      </a:r>
+                    </a:p>
+                  </a:txBody>
+                  <a:tcPr/>
+                </a:tc>
+                <a:tc>
+                  <a:txBody>
+                    <a:bodyPr/>
+                    <a:lstStyle/>
+                    <a:p>
+                      <a:pPr latinLnBrk="1"/>
+                      <a:r>
+                        <a:rPr lang="ko-KR" altLang="en-US" sz="1000"/>
+                        <a:t>이정훈</a:t>
+                      </a:r>
+                    </a:p>
+                  </a:txBody>
+                  <a:tcPr/>
+                </a:tc>
+                <a:tc>
+                  <a:txBody>
+                    <a:bodyPr/>
+                    <a:lstStyle/>
+                    <a:p>
+                      <a:pPr latinLnBrk="1"/>
+                      <a:r>
+                        <a:rPr lang="ko-KR" altLang="en-US" sz="1000"/>
+                        <a:t>인천광역시 남동구 고잔로 </a:t>
+                      </a:r>
+                      <a:r>
+                        <a:rPr lang="en-US" altLang="ko-KR" sz="1000"/>
+                        <a:t>45</a:t>
+                      </a:r>
+                      <a:endParaRPr lang="ko-KR" altLang="en-US" sz="1000"/>
+                    </a:p>
+                  </a:txBody>
+                  <a:tcPr/>
+                </a:tc>
+                <a:tc>
+                  <a:txBody>
+                    <a:bodyPr/>
+                    <a:lstStyle/>
+                    <a:p>
+                      <a:pPr latinLnBrk="1"/>
+                      <a:r>
+                        <a:rPr lang="ko-KR" altLang="en-US" sz="1000"/>
+                        <a:t>포장재</a:t>
+                      </a:r>
+                      <a:r>
+                        <a:rPr lang="en-US" altLang="ko-KR" sz="1000"/>
+                        <a:t>, </a:t>
+                      </a:r>
+                      <a:r>
+                        <a:rPr lang="ko-KR" altLang="en-US" sz="1000"/>
+                        <a:t>박스류 공급</a:t>
+                      </a:r>
+                    </a:p>
+                  </a:txBody>
+                  <a:tcPr/>
+                </a:tc>
+                <a:tc>
+                  <a:txBody>
+                    <a:bodyPr/>
+                    <a:lstStyle/>
+                    <a:p>
+                      <a:pPr marL="0" marR="0" lvl="0" indent="0" algn="l" defTabSz="914400" rtl="0" eaLnBrk="1" fontAlgn="auto" latinLnBrk="1" hangingPunct="1">
+                        <a:lnSpc>
+                          <a:spcPct val="100000"/>
+                        </a:lnSpc>
+                        <a:spcBef>
+                          <a:spcPts val="0"/>
+                        </a:spcBef>
+                        <a:spcAft>
+                          <a:spcPts val="0"/>
+                        </a:spcAft>
+                        <a:buClrTx/>
+                        <a:buSzTx/>
+                        <a:buFontTx/>
+                        <a:buNone/>
+                        <a:tabLst/>
+                        <a:defRPr/>
+                      </a:pPr>
+                      <a:r>
+                        <a:rPr lang="ko-KR" altLang="en-US" sz="1000"/>
+                        <a:t>거래중</a:t>
+                      </a:r>
+                    </a:p>
+                    <a:p>
+                      <a:pPr latinLnBrk="1"/>
+                      <a:endParaRPr lang="ko-KR" altLang="en-US" sz="1000"/>
                     </a:p>
                   </a:txBody>
                   <a:tcPr/>
@@ -4354,73 +4777,128 @@
                     <a:lstStyle/>
                     <a:p>
                       <a:pPr latinLnBrk="1"/>
-                      <a:endParaRPr lang="ko-KR" altLang="en-US" b="1"/>
-                    </a:p>
-                  </a:txBody>
-                  <a:tcPr/>
-                </a:tc>
-                <a:tc>
-                  <a:txBody>
-                    <a:bodyPr/>
-                    <a:lstStyle/>
-                    <a:p>
-                      <a:pPr latinLnBrk="1"/>
-                      <a:endParaRPr lang="ko-KR" altLang="en-US"/>
-                    </a:p>
-                  </a:txBody>
-                  <a:tcPr/>
-                </a:tc>
-                <a:tc>
-                  <a:txBody>
-                    <a:bodyPr/>
-                    <a:lstStyle/>
-                    <a:p>
-                      <a:pPr latinLnBrk="1"/>
-                      <a:endParaRPr lang="ko-KR" altLang="en-US"/>
-                    </a:p>
-                  </a:txBody>
-                  <a:tcPr/>
-                </a:tc>
-                <a:tc>
-                  <a:txBody>
-                    <a:bodyPr/>
-                    <a:lstStyle/>
-                    <a:p>
-                      <a:pPr latinLnBrk="1"/>
-                      <a:endParaRPr lang="ko-KR" altLang="en-US"/>
-                    </a:p>
-                  </a:txBody>
-                  <a:tcPr/>
-                </a:tc>
-                <a:tc>
-                  <a:txBody>
-                    <a:bodyPr/>
-                    <a:lstStyle/>
-                    <a:p>
-                      <a:pPr latinLnBrk="1"/>
-                      <a:endParaRPr lang="ko-KR" altLang="en-US"/>
-                    </a:p>
-                  </a:txBody>
-                  <a:tcPr/>
-                </a:tc>
-                <a:tc>
-                  <a:txBody>
-                    <a:bodyPr/>
-                    <a:lstStyle/>
-                    <a:p>
-                      <a:pPr latinLnBrk="1"/>
-                      <a:endParaRPr lang="ko-KR" altLang="en-US"/>
-                    </a:p>
-                  </a:txBody>
-                  <a:tcPr/>
-                </a:tc>
-                <a:tc>
-                  <a:txBody>
-                    <a:bodyPr/>
-                    <a:lstStyle/>
-                    <a:p>
-                      <a:pPr latinLnBrk="1"/>
-                      <a:endParaRPr lang="ko-KR" altLang="en-US"/>
+                      <a:r>
+                        <a:rPr lang="en-US" altLang="ko-KR" sz="1000" b="0"/>
+                        <a:t>10</a:t>
+                      </a:r>
+                      <a:endParaRPr lang="ko-KR" altLang="en-US" sz="1000" b="0"/>
+                    </a:p>
+                  </a:txBody>
+                  <a:tcPr/>
+                </a:tc>
+                <a:tc>
+                  <a:txBody>
+                    <a:bodyPr/>
+                    <a:lstStyle/>
+                    <a:p>
+                      <a:pPr latinLnBrk="1"/>
+                      <a:r>
+                        <a:rPr lang="ko-KR" altLang="en-US" sz="1000"/>
+                        <a:t>매입처</a:t>
+                      </a:r>
+                    </a:p>
+                  </a:txBody>
+                  <a:tcPr/>
+                </a:tc>
+                <a:tc>
+                  <a:txBody>
+                    <a:bodyPr/>
+                    <a:lstStyle/>
+                    <a:p>
+                      <a:pPr latinLnBrk="1"/>
+                      <a:r>
+                        <a:rPr lang="ko-KR" altLang="en-US" sz="1000"/>
+                        <a:t>대명물류</a:t>
+                      </a:r>
+                    </a:p>
+                  </a:txBody>
+                  <a:tcPr/>
+                </a:tc>
+                <a:tc>
+                  <a:txBody>
+                    <a:bodyPr/>
+                    <a:lstStyle/>
+                    <a:p>
+                      <a:pPr latinLnBrk="1"/>
+                      <a:r>
+                        <a:rPr lang="ko-KR" altLang="en-US" sz="1000"/>
+                        <a:t>김성민</a:t>
+                      </a:r>
+                    </a:p>
+                  </a:txBody>
+                  <a:tcPr/>
+                </a:tc>
+                <a:tc>
+                  <a:txBody>
+                    <a:bodyPr/>
+                    <a:lstStyle/>
+                    <a:p>
+                      <a:pPr latinLnBrk="1"/>
+                      <a:r>
+                        <a:rPr lang="ko-KR" altLang="en-US" sz="1000"/>
+                        <a:t>인천광역시 연수구 동춘동 </a:t>
+                      </a:r>
+                      <a:r>
+                        <a:rPr lang="en-US" altLang="ko-KR" sz="1000"/>
+                        <a:t>45</a:t>
+                      </a:r>
+                      <a:endParaRPr lang="ko-KR" altLang="en-US" sz="1000"/>
+                    </a:p>
+                  </a:txBody>
+                  <a:tcPr/>
+                </a:tc>
+                <a:tc>
+                  <a:txBody>
+                    <a:bodyPr/>
+                    <a:lstStyle/>
+                    <a:p>
+                      <a:pPr latinLnBrk="1"/>
+                      <a:r>
+                        <a:rPr lang="ko-KR" altLang="en-US" sz="1000"/>
+                        <a:t>지그</a:t>
+                      </a:r>
+                      <a:r>
+                        <a:rPr lang="en-US" altLang="ko-KR" sz="1000"/>
+                        <a:t>, </a:t>
+                      </a:r>
+                      <a:r>
+                        <a:rPr lang="ko-KR" altLang="en-US" sz="1000"/>
+                        <a:t>고정장치 공급</a:t>
+                      </a:r>
+                    </a:p>
+                  </a:txBody>
+                  <a:tcPr/>
+                </a:tc>
+                <a:tc>
+                  <a:txBody>
+                    <a:bodyPr/>
+                    <a:lstStyle/>
+                    <a:p>
+                      <a:pPr marL="0" marR="0" lvl="0" indent="0" algn="l" defTabSz="914400" rtl="0" eaLnBrk="1" fontAlgn="auto" latinLnBrk="1" hangingPunct="1">
+                        <a:lnSpc>
+                          <a:spcPct val="100000"/>
+                        </a:lnSpc>
+                        <a:spcBef>
+                          <a:spcPts val="0"/>
+                        </a:spcBef>
+                        <a:spcAft>
+                          <a:spcPts val="0"/>
+                        </a:spcAft>
+                        <a:buClrTx/>
+                        <a:buSzTx/>
+                        <a:buFontTx/>
+                        <a:buNone/>
+                        <a:tabLst/>
+                        <a:defRPr/>
+                      </a:pPr>
+                      <a:r>
+                        <a:rPr lang="ko-KR" altLang="en-US" sz="1000"/>
+                        <a:t>거래중</a:t>
+                      </a:r>
+                    </a:p>
+                    <a:p>
+                      <a:pPr latinLnBrk="1"/>
+                      <a:endParaRPr lang="ko-KR" altLang="en-US" sz="1000"/>
                     </a:p>
                   </a:txBody>
                   <a:tcPr/>
@@ -4618,7 +5096,7 @@
             <a:pPr algn="ctr"/>
             <a:r>
               <a:rPr lang="ko-KR" altLang="en-US" sz="800"/>
-              <a:t>거래 종료 </a:t>
+              <a:t>거래 재개 </a:t>
             </a:r>
           </a:p>
         </p:txBody>
@@ -4637,7 +5115,7 @@
         </p:nvSpPr>
         <p:spPr>
           <a:xfrm>
-            <a:off x="11098309" y="3658394"/>
+            <a:off x="11098309" y="3695229"/>
             <a:ext cx="741572" cy="227002"/>
           </a:xfrm>
           <a:prstGeom prst="roundRect">
@@ -4684,7 +5162,7 @@
         </p:nvSpPr>
         <p:spPr>
           <a:xfrm>
-            <a:off x="11098309" y="4025703"/>
+            <a:off x="11098309" y="4065442"/>
             <a:ext cx="741572" cy="227002"/>
           </a:xfrm>
           <a:prstGeom prst="roundRect">
@@ -4731,7 +5209,7 @@
         </p:nvSpPr>
         <p:spPr>
           <a:xfrm>
-            <a:off x="11098309" y="4393012"/>
+            <a:off x="11098309" y="4457041"/>
             <a:ext cx="741572" cy="227002"/>
           </a:xfrm>
           <a:prstGeom prst="roundRect">
@@ -4778,7 +5256,7 @@
         </p:nvSpPr>
         <p:spPr>
           <a:xfrm>
-            <a:off x="11098309" y="4754547"/>
+            <a:off x="11098309" y="4858531"/>
             <a:ext cx="741572" cy="227002"/>
           </a:xfrm>
           <a:prstGeom prst="roundRect">
@@ -4825,7 +5303,7 @@
         </p:nvSpPr>
         <p:spPr>
           <a:xfrm>
-            <a:off x="11092086" y="5126070"/>
+            <a:off x="11086949" y="5250586"/>
             <a:ext cx="741572" cy="227002"/>
           </a:xfrm>
           <a:prstGeom prst="roundRect">
@@ -4872,7 +5350,7 @@
         </p:nvSpPr>
         <p:spPr>
           <a:xfrm>
-            <a:off x="11092086" y="5494654"/>
+            <a:off x="11086949" y="5676200"/>
             <a:ext cx="741572" cy="227002"/>
           </a:xfrm>
           <a:prstGeom prst="roundRect">
@@ -4901,224 +5379,6 @@
             <a:r>
               <a:rPr lang="ko-KR" altLang="en-US" sz="800"/>
               <a:t>거래 종료 </a:t>
-            </a:r>
-          </a:p>
-        </p:txBody>
-      </p:sp>
-      <p:cxnSp>
-        <p:nvCxnSpPr>
-          <p:cNvPr id="3" name="직선 화살표 연결선 2">
-            <a:extLst>
-              <a:ext uri="{FF2B5EF4-FFF2-40B4-BE49-F238E27FC236}">
-                <a16:creationId xmlns:a16="http://schemas.microsoft.com/office/drawing/2014/main" id="{CA372BD0-A487-6BB7-9348-44AC90277E11}"/>
-              </a:ext>
-            </a:extLst>
-          </p:cNvPr>
-          <p:cNvCxnSpPr/>
-          <p:nvPr/>
-        </p:nvCxnSpPr>
-        <p:spPr>
-          <a:xfrm>
-            <a:off x="11457735" y="5910050"/>
-            <a:ext cx="0" cy="303945"/>
-          </a:xfrm>
-          <a:prstGeom prst="straightConnector1">
-            <a:avLst/>
-          </a:prstGeom>
-          <a:ln>
-            <a:tailEnd type="triangle"/>
-          </a:ln>
-        </p:spPr>
-        <p:style>
-          <a:lnRef idx="1">
-            <a:schemeClr val="dk1"/>
-          </a:lnRef>
-          <a:fillRef idx="0">
-            <a:schemeClr val="dk1"/>
-          </a:fillRef>
-          <a:effectRef idx="0">
-            <a:schemeClr val="dk1"/>
-          </a:effectRef>
-          <a:fontRef idx="minor">
-            <a:schemeClr val="tx1"/>
-          </a:fontRef>
-        </p:style>
-      </p:cxnSp>
-      <p:sp>
-        <p:nvSpPr>
-          <p:cNvPr id="2" name="사각형: 둥근 모서리 1">
-            <a:extLst>
-              <a:ext uri="{FF2B5EF4-FFF2-40B4-BE49-F238E27FC236}">
-                <a16:creationId xmlns:a16="http://schemas.microsoft.com/office/drawing/2014/main" id="{D2358345-4104-7675-1FDF-52B0BD8DD32B}"/>
-              </a:ext>
-            </a:extLst>
-          </p:cNvPr>
-          <p:cNvSpPr/>
-          <p:nvPr/>
-        </p:nvSpPr>
-        <p:spPr>
-          <a:xfrm>
-            <a:off x="11086949" y="6397479"/>
-            <a:ext cx="741572" cy="227002"/>
-          </a:xfrm>
-          <a:prstGeom prst="roundRect">
-            <a:avLst/>
-          </a:prstGeom>
-        </p:spPr>
-        <p:style>
-          <a:lnRef idx="2">
-            <a:schemeClr val="dk1"/>
-          </a:lnRef>
-          <a:fillRef idx="1">
-            <a:schemeClr val="lt1"/>
-          </a:fillRef>
-          <a:effectRef idx="0">
-            <a:schemeClr val="dk1"/>
-          </a:effectRef>
-          <a:fontRef idx="minor">
-            <a:schemeClr val="dk1"/>
-          </a:fontRef>
-        </p:style>
-        <p:txBody>
-          <a:bodyPr rtlCol="0" anchor="ctr"/>
-          <a:lstStyle/>
-          <a:p>
-            <a:pPr algn="ctr"/>
-            <a:r>
-              <a:rPr lang="ko-KR" altLang="en-US" sz="800"/>
-              <a:t>거래 재개 </a:t>
-            </a:r>
-          </a:p>
-        </p:txBody>
-      </p:sp>
-      <p:cxnSp>
-        <p:nvCxnSpPr>
-          <p:cNvPr id="6" name="직선 화살표 연결선 5">
-            <a:extLst>
-              <a:ext uri="{FF2B5EF4-FFF2-40B4-BE49-F238E27FC236}">
-                <a16:creationId xmlns:a16="http://schemas.microsoft.com/office/drawing/2014/main" id="{FE64A876-083A-B440-CF44-682E58831CA5}"/>
-              </a:ext>
-            </a:extLst>
-          </p:cNvPr>
-          <p:cNvCxnSpPr/>
-          <p:nvPr/>
-        </p:nvCxnSpPr>
-        <p:spPr>
-          <a:xfrm>
-            <a:off x="4032607" y="5910050"/>
-            <a:ext cx="0" cy="236306"/>
-          </a:xfrm>
-          <a:prstGeom prst="straightConnector1">
-            <a:avLst/>
-          </a:prstGeom>
-          <a:ln>
-            <a:tailEnd type="triangle"/>
-          </a:ln>
-        </p:spPr>
-        <p:style>
-          <a:lnRef idx="1">
-            <a:schemeClr val="dk1"/>
-          </a:lnRef>
-          <a:fillRef idx="0">
-            <a:schemeClr val="dk1"/>
-          </a:fillRef>
-          <a:effectRef idx="0">
-            <a:schemeClr val="dk1"/>
-          </a:effectRef>
-          <a:fontRef idx="minor">
-            <a:schemeClr val="tx1"/>
-          </a:fontRef>
-        </p:style>
-      </p:cxnSp>
-      <p:sp>
-        <p:nvSpPr>
-          <p:cNvPr id="12" name="TextBox 11">
-            <a:extLst>
-              <a:ext uri="{FF2B5EF4-FFF2-40B4-BE49-F238E27FC236}">
-                <a16:creationId xmlns:a16="http://schemas.microsoft.com/office/drawing/2014/main" id="{F951633C-0B5E-D578-0B58-CB9C48F78AC0}"/>
-              </a:ext>
-            </a:extLst>
-          </p:cNvPr>
-          <p:cNvSpPr txBox="1"/>
-          <p:nvPr/>
-        </p:nvSpPr>
-        <p:spPr>
-          <a:xfrm>
-            <a:off x="3106505" y="6224371"/>
-            <a:ext cx="2368194" cy="400110"/>
-          </a:xfrm>
-          <a:prstGeom prst="rect">
-            <a:avLst/>
-          </a:prstGeom>
-          <a:noFill/>
-        </p:spPr>
-        <p:txBody>
-          <a:bodyPr wrap="square" rtlCol="0">
-            <a:spAutoFit/>
-          </a:bodyPr>
-          <a:lstStyle/>
-          <a:p>
-            <a:r>
-              <a:rPr lang="ko-KR" altLang="en-US" sz="1000"/>
-              <a:t>업체명 클릭 시 업체 상세정보 조회 페이지로 이동 </a:t>
-            </a:r>
-          </a:p>
-        </p:txBody>
-      </p:sp>
-      <p:sp>
-        <p:nvSpPr>
-          <p:cNvPr id="4" name="TextBox 3">
-            <a:extLst>
-              <a:ext uri="{FF2B5EF4-FFF2-40B4-BE49-F238E27FC236}">
-                <a16:creationId xmlns:a16="http://schemas.microsoft.com/office/drawing/2014/main" id="{8DB1D2EA-FBD4-D21C-C47E-F882FB072B6C}"/>
-              </a:ext>
-            </a:extLst>
-          </p:cNvPr>
-          <p:cNvSpPr txBox="1"/>
-          <p:nvPr/>
-        </p:nvSpPr>
-        <p:spPr>
-          <a:xfrm>
-            <a:off x="8683377" y="5910050"/>
-            <a:ext cx="2920528" cy="400110"/>
-          </a:xfrm>
-          <a:prstGeom prst="rect">
-            <a:avLst/>
-          </a:prstGeom>
-          <a:noFill/>
-        </p:spPr>
-        <p:txBody>
-          <a:bodyPr wrap="square" rtlCol="0">
-            <a:spAutoFit/>
-          </a:bodyPr>
-          <a:lstStyle/>
-          <a:p>
-            <a:r>
-              <a:rPr lang="ko-KR" altLang="en-US" sz="1000"/>
-              <a:t>거래 종료 클릭시 </a:t>
-            </a:r>
-            <a:r>
-              <a:rPr lang="en-US" altLang="ko-KR" sz="1000"/>
-              <a:t>-&gt; </a:t>
-            </a:r>
-            <a:r>
-              <a:rPr lang="ko-KR" altLang="en-US" sz="1000"/>
-              <a:t>거래 재개 버튼 활성화 </a:t>
-            </a:r>
-            <a:endParaRPr lang="en-US" altLang="ko-KR" sz="1000"/>
-          </a:p>
-          <a:p>
-            <a:r>
-              <a:rPr lang="ko-KR" altLang="en-US" sz="1000"/>
-              <a:t>거래 재개 클릭시 </a:t>
-            </a:r>
-            <a:r>
-              <a:rPr lang="en-US" altLang="ko-KR" sz="1000"/>
-              <a:t>-&gt; </a:t>
-            </a:r>
-            <a:r>
-              <a:rPr lang="ko-KR" altLang="en-US" sz="1000"/>
-              <a:t>거래 종료 버튼 활성화</a:t>
             </a:r>
           </a:p>
         </p:txBody>
@@ -5307,6 +5567,189 @@
               <a:rPr lang="ko-KR" altLang="en-US"/>
               <a:t>모든 업체</a:t>
             </a:r>
+          </a:p>
+        </p:txBody>
+      </p:sp>
+      <p:sp>
+        <p:nvSpPr>
+          <p:cNvPr id="5" name="순서도: 연결자 4">
+            <a:extLst>
+              <a:ext uri="{FF2B5EF4-FFF2-40B4-BE49-F238E27FC236}">
+                <a16:creationId xmlns:a16="http://schemas.microsoft.com/office/drawing/2014/main" id="{BE779279-7AD8-E7B4-66FC-27CD2D00EA69}"/>
+              </a:ext>
+            </a:extLst>
+          </p:cNvPr>
+          <p:cNvSpPr/>
+          <p:nvPr/>
+        </p:nvSpPr>
+        <p:spPr>
+          <a:xfrm>
+            <a:off x="10107105" y="43917"/>
+            <a:ext cx="156117" cy="161693"/>
+          </a:xfrm>
+          <a:prstGeom prst="flowChartConnector">
+            <a:avLst/>
+          </a:prstGeom>
+          <a:solidFill>
+            <a:srgbClr val="FFFF00"/>
+          </a:solidFill>
+        </p:spPr>
+        <p:style>
+          <a:lnRef idx="2">
+            <a:schemeClr val="accent4">
+              <a:shade val="15000"/>
+            </a:schemeClr>
+          </a:lnRef>
+          <a:fillRef idx="1">
+            <a:schemeClr val="accent4"/>
+          </a:fillRef>
+          <a:effectRef idx="0">
+            <a:schemeClr val="accent4"/>
+          </a:effectRef>
+          <a:fontRef idx="minor">
+            <a:schemeClr val="lt1"/>
+          </a:fontRef>
+        </p:style>
+        <p:txBody>
+          <a:bodyPr rtlCol="0" anchor="ctr"/>
+          <a:lstStyle/>
+          <a:p>
+            <a:pPr algn="ctr"/>
+            <a:r>
+              <a:rPr lang="en-US" altLang="ko-KR" sz="1000">
+                <a:solidFill>
+                  <a:schemeClr val="tx1"/>
+                </a:solidFill>
+              </a:rPr>
+              <a:t>1</a:t>
+            </a:r>
+            <a:endParaRPr lang="ko-KR" altLang="en-US" sz="1000">
+              <a:solidFill>
+                <a:schemeClr val="tx1"/>
+              </a:solidFill>
+            </a:endParaRPr>
+          </a:p>
+        </p:txBody>
+      </p:sp>
+      <p:sp>
+        <p:nvSpPr>
+          <p:cNvPr id="7" name="순서도: 연결자 6">
+            <a:extLst>
+              <a:ext uri="{FF2B5EF4-FFF2-40B4-BE49-F238E27FC236}">
+                <a16:creationId xmlns:a16="http://schemas.microsoft.com/office/drawing/2014/main" id="{B34C2616-3E0F-895E-365C-FEEE6E5569DF}"/>
+              </a:ext>
+            </a:extLst>
+          </p:cNvPr>
+          <p:cNvSpPr/>
+          <p:nvPr/>
+        </p:nvSpPr>
+        <p:spPr>
+          <a:xfrm>
+            <a:off x="2263927" y="2001649"/>
+            <a:ext cx="156117" cy="161693"/>
+          </a:xfrm>
+          <a:prstGeom prst="flowChartConnector">
+            <a:avLst/>
+          </a:prstGeom>
+          <a:solidFill>
+            <a:srgbClr val="FFFF00"/>
+          </a:solidFill>
+        </p:spPr>
+        <p:style>
+          <a:lnRef idx="2">
+            <a:schemeClr val="accent4">
+              <a:shade val="15000"/>
+            </a:schemeClr>
+          </a:lnRef>
+          <a:fillRef idx="1">
+            <a:schemeClr val="accent4"/>
+          </a:fillRef>
+          <a:effectRef idx="0">
+            <a:schemeClr val="accent4"/>
+          </a:effectRef>
+          <a:fontRef idx="minor">
+            <a:schemeClr val="lt1"/>
+          </a:fontRef>
+        </p:style>
+        <p:txBody>
+          <a:bodyPr rtlCol="0" anchor="ctr"/>
+          <a:lstStyle/>
+          <a:p>
+            <a:pPr algn="ctr"/>
+            <a:r>
+              <a:rPr lang="en-US" altLang="ko-KR" sz="1000">
+                <a:solidFill>
+                  <a:schemeClr val="tx1"/>
+                </a:solidFill>
+              </a:rPr>
+              <a:t>2</a:t>
+            </a:r>
+            <a:endParaRPr lang="ko-KR" altLang="en-US" sz="1000">
+              <a:solidFill>
+                <a:schemeClr val="tx1"/>
+              </a:solidFill>
+            </a:endParaRPr>
+          </a:p>
+        </p:txBody>
+      </p:sp>
+      <p:sp>
+        <p:nvSpPr>
+          <p:cNvPr id="8" name="순서도: 연결자 7">
+            <a:extLst>
+              <a:ext uri="{FF2B5EF4-FFF2-40B4-BE49-F238E27FC236}">
+                <a16:creationId xmlns:a16="http://schemas.microsoft.com/office/drawing/2014/main" id="{E6CE5F8F-3FFC-610F-0277-0828D53DF04E}"/>
+              </a:ext>
+            </a:extLst>
+          </p:cNvPr>
+          <p:cNvSpPr/>
+          <p:nvPr/>
+        </p:nvSpPr>
+        <p:spPr>
+          <a:xfrm>
+            <a:off x="10107105" y="2022845"/>
+            <a:ext cx="156117" cy="161693"/>
+          </a:xfrm>
+          <a:prstGeom prst="flowChartConnector">
+            <a:avLst/>
+          </a:prstGeom>
+          <a:solidFill>
+            <a:srgbClr val="FFFF00"/>
+          </a:solidFill>
+        </p:spPr>
+        <p:style>
+          <a:lnRef idx="2">
+            <a:schemeClr val="accent4">
+              <a:shade val="15000"/>
+            </a:schemeClr>
+          </a:lnRef>
+          <a:fillRef idx="1">
+            <a:schemeClr val="accent4"/>
+          </a:fillRef>
+          <a:effectRef idx="0">
+            <a:schemeClr val="accent4"/>
+          </a:effectRef>
+          <a:fontRef idx="minor">
+            <a:schemeClr val="lt1"/>
+          </a:fontRef>
+        </p:style>
+        <p:txBody>
+          <a:bodyPr rtlCol="0" anchor="ctr"/>
+          <a:lstStyle/>
+          <a:p>
+            <a:pPr algn="ctr"/>
+            <a:r>
+              <a:rPr lang="en-US" altLang="ko-KR" sz="1000">
+                <a:solidFill>
+                  <a:schemeClr val="tx1"/>
+                </a:solidFill>
+              </a:rPr>
+              <a:t>3</a:t>
+            </a:r>
+            <a:endParaRPr lang="ko-KR" altLang="en-US" sz="1000">
+              <a:solidFill>
+                <a:schemeClr val="tx1"/>
+              </a:solidFill>
+            </a:endParaRPr>
           </a:p>
         </p:txBody>
       </p:sp>

--- a/화면 설계서/9.업체 조회 페이지.pptx
+++ b/화면 설계서/9.업체 조회 페이지.pptx
@@ -3423,7 +3423,7 @@
           <p:nvPr>
             <p:extLst>
               <p:ext uri="{D42A27DB-BD31-4B8C-83A1-F6EECF244321}">
-                <p14:modId xmlns:p14="http://schemas.microsoft.com/office/powerpoint/2010/main" val="701378577"/>
+                <p14:modId xmlns:p14="http://schemas.microsoft.com/office/powerpoint/2010/main" val="2904792510"/>
               </p:ext>
             </p:extLst>
           </p:nvPr>
@@ -3631,10 +3631,10 @@
                     <a:p>
                       <a:pPr latinLnBrk="1"/>
                       <a:r>
-                        <a:rPr lang="ko-KR" altLang="en-US" sz="1000"/>
+                        <a:rPr lang="ko-KR" altLang="en-US" sz="1000" u="sng"/>
                         <a:t>한승상사</a:t>
                       </a:r>
-                      <a:endParaRPr lang="en-US" altLang="ko-KR" sz="1000"/>
+                      <a:endParaRPr lang="en-US" altLang="ko-KR" sz="1000" u="sng"/>
                     </a:p>
                   </a:txBody>
                   <a:tcPr/>
@@ -3751,7 +3751,7 @@
                     <a:p>
                       <a:pPr latinLnBrk="1"/>
                       <a:r>
-                        <a:rPr lang="ko-KR" altLang="en-US" sz="1000"/>
+                        <a:rPr lang="ko-KR" altLang="en-US" sz="1000" u="sng"/>
                         <a:t>강남제비스</a:t>
                       </a:r>
                     </a:p>
@@ -3870,7 +3870,7 @@
                     <a:p>
                       <a:pPr latinLnBrk="1"/>
                       <a:r>
-                        <a:rPr lang="ko-KR" altLang="en-US" sz="1000"/>
+                        <a:rPr lang="ko-KR" altLang="en-US" sz="1000" u="sng"/>
                         <a:t>페인트메카</a:t>
                       </a:r>
                     </a:p>
@@ -3989,7 +3989,7 @@
                     <a:p>
                       <a:pPr latinLnBrk="1"/>
                       <a:r>
-                        <a:rPr lang="ko-KR" altLang="en-US" sz="1000"/>
+                        <a:rPr lang="ko-KR" altLang="en-US" sz="1000" u="sng"/>
                         <a:t>일도포장 </a:t>
                       </a:r>
                     </a:p>
@@ -4128,7 +4128,7 @@
                     <a:p>
                       <a:pPr latinLnBrk="1"/>
                       <a:r>
-                        <a:rPr lang="ko-KR" altLang="en-US" sz="1000"/>
+                        <a:rPr lang="ko-KR" altLang="en-US" sz="1000" u="sng"/>
                         <a:t>일도테크</a:t>
                       </a:r>
                     </a:p>
@@ -4259,7 +4259,7 @@
                     <a:p>
                       <a:pPr latinLnBrk="1"/>
                       <a:r>
-                        <a:rPr lang="ko-KR" altLang="en-US" sz="1000"/>
+                        <a:rPr lang="ko-KR" altLang="en-US" sz="1000" u="sng"/>
                         <a:t>일도정공</a:t>
                       </a:r>
                     </a:p>
@@ -4390,7 +4390,7 @@
                     <a:p>
                       <a:pPr latinLnBrk="1"/>
                       <a:r>
-                        <a:rPr lang="ko-KR" altLang="en-US" sz="1000"/>
+                        <a:rPr lang="ko-KR" altLang="en-US" sz="1000" u="sng"/>
                         <a:t>이도정밀</a:t>
                       </a:r>
                     </a:p>
@@ -4529,7 +4529,7 @@
                     <a:p>
                       <a:pPr latinLnBrk="1"/>
                       <a:r>
-                        <a:rPr lang="ko-KR" altLang="en-US" sz="1000"/>
+                        <a:rPr lang="ko-KR" altLang="en-US" sz="1000" u="sng"/>
                         <a:t>세진테크</a:t>
                       </a:r>
                     </a:p>
@@ -4668,7 +4668,7 @@
                     <a:p>
                       <a:pPr latinLnBrk="1"/>
                       <a:r>
-                        <a:rPr lang="ko-KR" altLang="en-US" sz="1000"/>
+                        <a:rPr lang="ko-KR" altLang="en-US" sz="1000" u="sng"/>
                         <a:t>세진테크</a:t>
                       </a:r>
                     </a:p>
@@ -4807,7 +4807,7 @@
                     <a:p>
                       <a:pPr latinLnBrk="1"/>
                       <a:r>
-                        <a:rPr lang="ko-KR" altLang="en-US" sz="1000"/>
+                        <a:rPr lang="ko-KR" altLang="en-US" sz="1000" u="sng"/>
                         <a:t>대명물류</a:t>
                       </a:r>
                     </a:p>
